--- a/中越詩歌/朝賀耶穌降生_Hỡi Môn Ðồ Trung Tín.pptx
+++ b/中越詩歌/朝賀耶穌降生_Hỡi Môn Ðồ Trung Tín.pptx
@@ -332,7 +332,7 @@
           <a:p>
             <a:fld id="{C78A503C-B20E-45F1-BB07-F108CF77DE89}" type="datetimeFigureOut">
               <a:rPr lang="en-US" smtClean="0"/>
-              <a:t>12/19/2020</a:t>
+              <a:t>12/17/2022</a:t>
             </a:fld>
             <a:endParaRPr lang="en-US"/>
           </a:p>
@@ -502,7 +502,7 @@
           <a:p>
             <a:fld id="{C78A503C-B20E-45F1-BB07-F108CF77DE89}" type="datetimeFigureOut">
               <a:rPr lang="en-US" smtClean="0"/>
-              <a:t>12/19/2020</a:t>
+              <a:t>12/17/2022</a:t>
             </a:fld>
             <a:endParaRPr lang="en-US"/>
           </a:p>
@@ -682,7 +682,7 @@
           <a:p>
             <a:fld id="{C78A503C-B20E-45F1-BB07-F108CF77DE89}" type="datetimeFigureOut">
               <a:rPr lang="en-US" smtClean="0"/>
-              <a:t>12/19/2020</a:t>
+              <a:t>12/17/2022</a:t>
             </a:fld>
             <a:endParaRPr lang="en-US"/>
           </a:p>
@@ -852,7 +852,7 @@
           <a:p>
             <a:fld id="{C78A503C-B20E-45F1-BB07-F108CF77DE89}" type="datetimeFigureOut">
               <a:rPr lang="en-US" smtClean="0"/>
-              <a:t>12/19/2020</a:t>
+              <a:t>12/17/2022</a:t>
             </a:fld>
             <a:endParaRPr lang="en-US"/>
           </a:p>
@@ -1098,7 +1098,7 @@
           <a:p>
             <a:fld id="{C78A503C-B20E-45F1-BB07-F108CF77DE89}" type="datetimeFigureOut">
               <a:rPr lang="en-US" smtClean="0"/>
-              <a:t>12/19/2020</a:t>
+              <a:t>12/17/2022</a:t>
             </a:fld>
             <a:endParaRPr lang="en-US"/>
           </a:p>
@@ -1386,7 +1386,7 @@
           <a:p>
             <a:fld id="{C78A503C-B20E-45F1-BB07-F108CF77DE89}" type="datetimeFigureOut">
               <a:rPr lang="en-US" smtClean="0"/>
-              <a:t>12/19/2020</a:t>
+              <a:t>12/17/2022</a:t>
             </a:fld>
             <a:endParaRPr lang="en-US"/>
           </a:p>
@@ -1808,7 +1808,7 @@
           <a:p>
             <a:fld id="{C78A503C-B20E-45F1-BB07-F108CF77DE89}" type="datetimeFigureOut">
               <a:rPr lang="en-US" smtClean="0"/>
-              <a:t>12/19/2020</a:t>
+              <a:t>12/17/2022</a:t>
             </a:fld>
             <a:endParaRPr lang="en-US"/>
           </a:p>
@@ -1926,7 +1926,7 @@
           <a:p>
             <a:fld id="{C78A503C-B20E-45F1-BB07-F108CF77DE89}" type="datetimeFigureOut">
               <a:rPr lang="en-US" smtClean="0"/>
-              <a:t>12/19/2020</a:t>
+              <a:t>12/17/2022</a:t>
             </a:fld>
             <a:endParaRPr lang="en-US"/>
           </a:p>
@@ -2021,7 +2021,7 @@
           <a:p>
             <a:fld id="{C78A503C-B20E-45F1-BB07-F108CF77DE89}" type="datetimeFigureOut">
               <a:rPr lang="en-US" smtClean="0"/>
-              <a:t>12/19/2020</a:t>
+              <a:t>12/17/2022</a:t>
             </a:fld>
             <a:endParaRPr lang="en-US"/>
           </a:p>
@@ -2298,7 +2298,7 @@
           <a:p>
             <a:fld id="{C78A503C-B20E-45F1-BB07-F108CF77DE89}" type="datetimeFigureOut">
               <a:rPr lang="en-US" smtClean="0"/>
-              <a:t>12/19/2020</a:t>
+              <a:t>12/17/2022</a:t>
             </a:fld>
             <a:endParaRPr lang="en-US"/>
           </a:p>
@@ -2555,7 +2555,7 @@
           <a:p>
             <a:fld id="{C78A503C-B20E-45F1-BB07-F108CF77DE89}" type="datetimeFigureOut">
               <a:rPr lang="en-US" smtClean="0"/>
-              <a:t>12/19/2020</a:t>
+              <a:t>12/17/2022</a:t>
             </a:fld>
             <a:endParaRPr lang="en-US"/>
           </a:p>
@@ -2773,7 +2773,7 @@
           <a:p>
             <a:fld id="{C78A503C-B20E-45F1-BB07-F108CF77DE89}" type="datetimeFigureOut">
               <a:rPr lang="en-US" smtClean="0"/>
-              <a:t>12/19/2020</a:t>
+              <a:t>12/17/2022</a:t>
             </a:fld>
             <a:endParaRPr lang="en-US"/>
           </a:p>
@@ -3185,24 +3185,7 @@
                 <a:latin typeface="微軟正黑體" pitchFamily="34" charset="-120"/>
                 <a:ea typeface="微軟正黑體" pitchFamily="34" charset="-120"/>
               </a:rPr>
-              <a:t>朝</a:t>
-            </a:r>
-            <a:r>
-              <a:rPr lang="zh-TW" altLang="en-US" sz="7200" b="1" i="1" dirty="0">
-                <a:solidFill>
-                  <a:srgbClr val="660033"/>
-                </a:solidFill>
-                <a:effectLst>
-                  <a:outerShdw blurRad="38100" dist="38100" dir="2700000" algn="tl">
-                    <a:srgbClr val="000000">
-                      <a:alpha val="43137"/>
-                    </a:srgbClr>
-                  </a:outerShdw>
-                </a:effectLst>
-                <a:latin typeface="微軟正黑體" pitchFamily="34" charset="-120"/>
-                <a:ea typeface="微軟正黑體" pitchFamily="34" charset="-120"/>
-              </a:rPr>
-              <a:t>賀耶穌降生</a:t>
+              <a:t>朝賀耶穌降生</a:t>
             </a:r>
           </a:p>
         </p:txBody>
@@ -3261,25 +3244,7 @@
                 <a:ea typeface="微軟正黑體" pitchFamily="34" charset="-120"/>
                 <a:cs typeface="Calibri" panose="020F0502020204030204" pitchFamily="34" charset="0"/>
               </a:rPr>
-              <a:t>Hỡi </a:t>
-            </a:r>
-            <a:r>
-              <a:rPr lang="vi-VN" sz="5400" b="1" i="1" dirty="0">
-                <a:solidFill>
-                  <a:srgbClr val="000066"/>
-                </a:solidFill>
-                <a:effectLst>
-                  <a:outerShdw blurRad="38100" dist="38100" dir="2700000" algn="tl">
-                    <a:srgbClr val="000000">
-                      <a:alpha val="43137"/>
-                    </a:srgbClr>
-                  </a:outerShdw>
-                </a:effectLst>
-                <a:latin typeface="Calibri" panose="020F0502020204030204" pitchFamily="34" charset="0"/>
-                <a:ea typeface="微軟正黑體" pitchFamily="34" charset="-120"/>
-                <a:cs typeface="Calibri" panose="020F0502020204030204" pitchFamily="34" charset="0"/>
-              </a:rPr>
-              <a:t>môn đồ trung tín</a:t>
+              <a:t>Hỡi môn đồ trung tín</a:t>
             </a:r>
             <a:endParaRPr lang="zh-TW" altLang="en-US" sz="5400" b="1" i="1" dirty="0">
               <a:solidFill>
@@ -3675,7 +3640,7 @@
                   <a:srgbClr val="000066"/>
                 </a:solidFill>
               </a:rPr>
-              <a:t>( 2 )</a:t>
+              <a:t>( 2 / 4 )</a:t>
             </a:r>
             <a:endParaRPr lang="vi-VN" sz="4267" b="1" dirty="0">
               <a:solidFill>
@@ -4171,7 +4136,7 @@
                   <a:srgbClr val="000066"/>
                 </a:solidFill>
               </a:rPr>
-              <a:t>( 2 )</a:t>
+              <a:t>( 2 / 4 )</a:t>
             </a:r>
             <a:endParaRPr lang="vi-VN" sz="4267" b="1" dirty="0">
               <a:solidFill>
@@ -4535,7 +4500,7 @@
                   <a:srgbClr val="000066"/>
                 </a:solidFill>
               </a:rPr>
-              <a:t>( 2 )</a:t>
+              <a:t>( 2 / 4 )</a:t>
             </a:r>
             <a:endParaRPr lang="vi-VN" sz="4267" b="1" dirty="0">
               <a:solidFill>
@@ -4943,7 +4908,7 @@
                   <a:srgbClr val="000066"/>
                 </a:solidFill>
               </a:rPr>
-              <a:t>( 2 )</a:t>
+              <a:t>( 2 / 4 )</a:t>
             </a:r>
             <a:endParaRPr lang="vi-VN" sz="4267" b="1" dirty="0">
               <a:solidFill>
@@ -5435,27 +5400,7 @@
                 <a:latin typeface="微軟正黑體" pitchFamily="34" charset="-120"/>
                 <a:ea typeface="微軟正黑體" pitchFamily="34" charset="-120"/>
               </a:rPr>
-              <a:t>同來崇拜我救</a:t>
-            </a:r>
-            <a:r>
-              <a:rPr lang="zh-CN" altLang="en-US" sz="6400" b="1" dirty="0">
-                <a:solidFill>
-                  <a:srgbClr val="660033"/>
-                </a:solidFill>
-                <a:latin typeface="微軟正黑體" pitchFamily="34" charset="-120"/>
-                <a:ea typeface="微軟正黑體" pitchFamily="34" charset="-120"/>
-              </a:rPr>
-              <a:t>主  耶</a:t>
-            </a:r>
-            <a:r>
-              <a:rPr lang="zh-CN" altLang="en-US" sz="6400" b="1" dirty="0">
-                <a:solidFill>
-                  <a:srgbClr val="660033"/>
-                </a:solidFill>
-                <a:latin typeface="微軟正黑體" pitchFamily="34" charset="-120"/>
-                <a:ea typeface="微軟正黑體" pitchFamily="34" charset="-120"/>
-              </a:rPr>
-              <a:t>穌基督</a:t>
+              <a:t>同來崇拜我救主  耶穌基督</a:t>
             </a:r>
             <a:endParaRPr lang="en-US" altLang="zh-CN" sz="6400" b="1" dirty="0">
               <a:solidFill>
@@ -5770,18 +5715,7 @@
                 <a:ea typeface="微軟正黑體" pitchFamily="34" charset="-120"/>
                 <a:cs typeface="Calibri" panose="020F0502020204030204" pitchFamily="34" charset="0"/>
               </a:rPr>
-              <a:t> </a:t>
-            </a:r>
-            <a:r>
-              <a:rPr lang="en-US" b="1" dirty="0">
-                <a:solidFill>
-                  <a:srgbClr val="000066"/>
-                </a:solidFill>
-                <a:latin typeface="Calibri" panose="020F0502020204030204" pitchFamily="34" charset="0"/>
-                <a:ea typeface="微軟正黑體" pitchFamily="34" charset="-120"/>
-                <a:cs typeface="Calibri" panose="020F0502020204030204" pitchFamily="34" charset="0"/>
-              </a:rPr>
-              <a:t>Christ, </a:t>
+              <a:t> Christ, </a:t>
             </a:r>
             <a:r>
               <a:rPr lang="en-US" b="1" dirty="0" err="1">
@@ -5879,17 +5813,7 @@
                 <a:latin typeface="微軟正黑體" pitchFamily="34" charset="-120"/>
                 <a:ea typeface="微軟正黑體" pitchFamily="34" charset="-120"/>
               </a:rPr>
-              <a:t>與</a:t>
-            </a:r>
-            <a:r>
-              <a:rPr lang="zh-CN" altLang="en-US" sz="6400" b="1" dirty="0">
-                <a:solidFill>
-                  <a:srgbClr val="660033"/>
-                </a:solidFill>
-                <a:latin typeface="微軟正黑體" pitchFamily="34" charset="-120"/>
-                <a:ea typeface="微軟正黑體" pitchFamily="34" charset="-120"/>
-              </a:rPr>
-              <a:t>天使同唱和</a:t>
+              <a:t>與天使同唱和</a:t>
             </a:r>
             <a:endParaRPr lang="en-US" altLang="zh-CN" sz="6400" b="1" dirty="0">
               <a:solidFill>
@@ -6191,7 +6115,23 @@
                   <a:srgbClr val="000066"/>
                 </a:solidFill>
               </a:rPr>
-              <a:t>( 3 )</a:t>
+              <a:t>( </a:t>
+            </a:r>
+            <a:r>
+              <a:rPr lang="en-US" sz="4267" b="1" dirty="0" smtClean="0">
+                <a:solidFill>
+                  <a:srgbClr val="000066"/>
+                </a:solidFill>
+              </a:rPr>
+              <a:t>3 </a:t>
+            </a:r>
+            <a:r>
+              <a:rPr lang="en-US" sz="4267" b="1" dirty="0">
+                <a:solidFill>
+                  <a:srgbClr val="000066"/>
+                </a:solidFill>
+              </a:rPr>
+              <a:t>/ 4 )</a:t>
             </a:r>
             <a:endParaRPr lang="vi-VN" sz="4267" b="1" dirty="0">
               <a:solidFill>
@@ -6621,7 +6561,7 @@
                   <a:srgbClr val="000066"/>
                 </a:solidFill>
               </a:rPr>
-              <a:t>( 3 )</a:t>
+              <a:t>( 3 / 4 )</a:t>
             </a:r>
             <a:endParaRPr lang="vi-VN" sz="4267" b="1" dirty="0">
               <a:solidFill>
@@ -7095,7 +7035,7 @@
                   <a:srgbClr val="000066"/>
                 </a:solidFill>
               </a:rPr>
-              <a:t>( 3 )</a:t>
+              <a:t>( 3 / 4 )</a:t>
             </a:r>
             <a:endParaRPr lang="vi-VN" sz="4267" b="1" dirty="0">
               <a:solidFill>
@@ -7459,7 +7399,7 @@
                   <a:srgbClr val="000066"/>
                 </a:solidFill>
               </a:rPr>
-              <a:t>( 3 )</a:t>
+              <a:t>( 3 / 4 )</a:t>
             </a:r>
             <a:endParaRPr lang="vi-VN" sz="4267" b="1" dirty="0">
               <a:solidFill>
@@ -7532,27 +7472,7 @@
                 <a:latin typeface="微軟正黑體" pitchFamily="34" charset="-120"/>
                 <a:ea typeface="微軟正黑體" pitchFamily="34" charset="-120"/>
               </a:rPr>
-              <a:t>請</a:t>
-            </a:r>
-            <a:r>
-              <a:rPr lang="zh-CN" altLang="en-US" sz="6400" b="1" dirty="0">
-                <a:solidFill>
-                  <a:srgbClr val="660033"/>
-                </a:solidFill>
-                <a:latin typeface="微軟正黑體" pitchFamily="34" charset="-120"/>
-                <a:ea typeface="微軟正黑體" pitchFamily="34" charset="-120"/>
-              </a:rPr>
-              <a:t>來忠信聖</a:t>
-            </a:r>
-            <a:r>
-              <a:rPr lang="zh-CN" altLang="en-US" sz="6400" b="1" dirty="0">
-                <a:solidFill>
-                  <a:srgbClr val="660033"/>
-                </a:solidFill>
-                <a:latin typeface="微軟正黑體" pitchFamily="34" charset="-120"/>
-                <a:ea typeface="微軟正黑體" pitchFamily="34" charset="-120"/>
-              </a:rPr>
-              <a:t>徒</a:t>
+              <a:t>請來忠信聖徒</a:t>
             </a:r>
             <a:endParaRPr lang="en-US" altLang="zh-CN" sz="6400" b="1" dirty="0">
               <a:solidFill>
@@ -7865,7 +7785,23 @@
                   <a:srgbClr val="000066"/>
                 </a:solidFill>
               </a:rPr>
-              <a:t>( 1 )</a:t>
+              <a:t>( </a:t>
+            </a:r>
+            <a:r>
+              <a:rPr lang="en-US" sz="4267" b="1" dirty="0" smtClean="0">
+                <a:solidFill>
+                  <a:srgbClr val="000066"/>
+                </a:solidFill>
+              </a:rPr>
+              <a:t>1 / 4 </a:t>
+            </a:r>
+            <a:r>
+              <a:rPr lang="en-US" sz="4267" b="1" dirty="0">
+                <a:solidFill>
+                  <a:srgbClr val="000066"/>
+                </a:solidFill>
+              </a:rPr>
+              <a:t>)</a:t>
             </a:r>
             <a:endParaRPr lang="vi-VN" sz="4267" b="1" dirty="0">
               <a:solidFill>
@@ -8273,7 +8209,7 @@
                   <a:srgbClr val="000066"/>
                 </a:solidFill>
               </a:rPr>
-              <a:t>( 3 )</a:t>
+              <a:t>( 3 / 4 )</a:t>
             </a:r>
             <a:endParaRPr lang="vi-VN" sz="4267" b="1" dirty="0">
               <a:solidFill>
@@ -8765,27 +8701,7 @@
                 <a:latin typeface="微軟正黑體" pitchFamily="34" charset="-120"/>
                 <a:ea typeface="微軟正黑體" pitchFamily="34" charset="-120"/>
               </a:rPr>
-              <a:t>同來崇拜我救</a:t>
-            </a:r>
-            <a:r>
-              <a:rPr lang="zh-CN" altLang="en-US" sz="6400" b="1" dirty="0">
-                <a:solidFill>
-                  <a:srgbClr val="660033"/>
-                </a:solidFill>
-                <a:latin typeface="微軟正黑體" pitchFamily="34" charset="-120"/>
-                <a:ea typeface="微軟正黑體" pitchFamily="34" charset="-120"/>
-              </a:rPr>
-              <a:t>主  耶</a:t>
-            </a:r>
-            <a:r>
-              <a:rPr lang="zh-CN" altLang="en-US" sz="6400" b="1" dirty="0">
-                <a:solidFill>
-                  <a:srgbClr val="660033"/>
-                </a:solidFill>
-                <a:latin typeface="微軟正黑體" pitchFamily="34" charset="-120"/>
-                <a:ea typeface="微軟正黑體" pitchFamily="34" charset="-120"/>
-              </a:rPr>
-              <a:t>穌基督</a:t>
+              <a:t>同來崇拜我救主  耶穌基督</a:t>
             </a:r>
             <a:endParaRPr lang="en-US" altLang="zh-CN" sz="6400" b="1" dirty="0">
               <a:solidFill>
@@ -9100,18 +9016,7 @@
                 <a:ea typeface="微軟正黑體" pitchFamily="34" charset="-120"/>
                 <a:cs typeface="Calibri" panose="020F0502020204030204" pitchFamily="34" charset="0"/>
               </a:rPr>
-              <a:t> </a:t>
-            </a:r>
-            <a:r>
-              <a:rPr lang="en-US" b="1" dirty="0">
-                <a:solidFill>
-                  <a:srgbClr val="000066"/>
-                </a:solidFill>
-                <a:latin typeface="Calibri" panose="020F0502020204030204" pitchFamily="34" charset="0"/>
-                <a:ea typeface="微軟正黑體" pitchFamily="34" charset="-120"/>
-                <a:cs typeface="Calibri" panose="020F0502020204030204" pitchFamily="34" charset="0"/>
-              </a:rPr>
-              <a:t>Christ, </a:t>
+              <a:t> Christ, </a:t>
             </a:r>
             <a:r>
               <a:rPr lang="en-US" b="1" dirty="0" err="1">
@@ -9209,17 +9114,7 @@
                 <a:latin typeface="微軟正黑體" pitchFamily="34" charset="-120"/>
                 <a:ea typeface="微軟正黑體" pitchFamily="34" charset="-120"/>
               </a:rPr>
-              <a:t>我</a:t>
-            </a:r>
-            <a:r>
-              <a:rPr lang="zh-CN" altLang="en-US" sz="6400" b="1" dirty="0">
-                <a:solidFill>
-                  <a:srgbClr val="660033"/>
-                </a:solidFill>
-                <a:latin typeface="微軟正黑體" pitchFamily="34" charset="-120"/>
-                <a:ea typeface="微軟正黑體" pitchFamily="34" charset="-120"/>
-              </a:rPr>
-              <a:t>今恭賀救主</a:t>
+              <a:t>我今恭賀救主</a:t>
             </a:r>
             <a:endParaRPr lang="en-US" altLang="zh-CN" sz="6400" b="1" dirty="0">
               <a:solidFill>
@@ -9525,14 +9420,6 @@
               </a:rPr>
               <a:t> </a:t>
             </a:r>
-            <a:endParaRPr lang="en-US" b="1" dirty="0">
-              <a:solidFill>
-                <a:srgbClr val="000066"/>
-              </a:solidFill>
-              <a:latin typeface="Calibri" panose="020F0502020204030204" pitchFamily="34" charset="0"/>
-              <a:ea typeface="微軟正黑體" pitchFamily="34" charset="-120"/>
-              <a:cs typeface="Calibri" panose="020F0502020204030204" pitchFamily="34" charset="0"/>
-            </a:endParaRPr>
           </a:p>
         </p:txBody>
       </p:sp>
@@ -9565,7 +9452,23 @@
                   <a:srgbClr val="000066"/>
                 </a:solidFill>
               </a:rPr>
-              <a:t>( 4 )</a:t>
+              <a:t>( </a:t>
+            </a:r>
+            <a:r>
+              <a:rPr lang="en-US" sz="4267" b="1" dirty="0" smtClean="0">
+                <a:solidFill>
+                  <a:srgbClr val="000066"/>
+                </a:solidFill>
+              </a:rPr>
+              <a:t>4 </a:t>
+            </a:r>
+            <a:r>
+              <a:rPr lang="en-US" sz="4267" b="1" dirty="0">
+                <a:solidFill>
+                  <a:srgbClr val="000066"/>
+                </a:solidFill>
+              </a:rPr>
+              <a:t>/ 4 )</a:t>
             </a:r>
             <a:endParaRPr lang="vi-VN" sz="4267" b="1" dirty="0">
               <a:solidFill>
@@ -9854,18 +9757,7 @@
                 <a:ea typeface="微軟正黑體" pitchFamily="34" charset="-120"/>
                 <a:cs typeface="Calibri" panose="020F0502020204030204" pitchFamily="34" charset="0"/>
               </a:rPr>
-              <a:t> </a:t>
-            </a:r>
-            <a:r>
-              <a:rPr lang="en-US" b="1" dirty="0">
-                <a:solidFill>
-                  <a:srgbClr val="000066"/>
-                </a:solidFill>
-                <a:latin typeface="Calibri" panose="020F0502020204030204" pitchFamily="34" charset="0"/>
-                <a:ea typeface="微軟正黑體" pitchFamily="34" charset="-120"/>
-                <a:cs typeface="Calibri" panose="020F0502020204030204" pitchFamily="34" charset="0"/>
-              </a:rPr>
-              <a:t>ở </a:t>
+              <a:t> ở </a:t>
             </a:r>
             <a:r>
               <a:rPr lang="en-US" b="1" dirty="0" err="1">
@@ -9962,7 +9854,7 @@
                   <a:srgbClr val="000066"/>
                 </a:solidFill>
               </a:rPr>
-              <a:t>( 4 )</a:t>
+              <a:t>( 4 / 4 )</a:t>
             </a:r>
             <a:endParaRPr lang="vi-VN" sz="4267" b="1" dirty="0">
               <a:solidFill>
@@ -10458,7 +10350,7 @@
                   <a:srgbClr val="000066"/>
                 </a:solidFill>
               </a:rPr>
-              <a:t>( 4 )</a:t>
+              <a:t>( 4 / 4 )</a:t>
             </a:r>
             <a:endParaRPr lang="vi-VN" sz="4267" b="1" dirty="0">
               <a:solidFill>
@@ -10822,7 +10714,7 @@
                   <a:srgbClr val="000066"/>
                 </a:solidFill>
               </a:rPr>
-              <a:t>( 4 )</a:t>
+              <a:t>( 4 / 4 )</a:t>
             </a:r>
             <a:endParaRPr lang="vi-VN" sz="4267" b="1" dirty="0">
               <a:solidFill>
@@ -11166,18 +11058,7 @@
                 <a:ea typeface="微軟正黑體" pitchFamily="34" charset="-120"/>
                 <a:cs typeface="Calibri" panose="020F0502020204030204" pitchFamily="34" charset="0"/>
               </a:rPr>
-              <a:t>Đ</a:t>
-            </a:r>
-            <a:r>
-              <a:rPr lang="en-US" b="1" dirty="0" err="1">
-                <a:solidFill>
-                  <a:srgbClr val="000066"/>
-                </a:solidFill>
-                <a:latin typeface="Calibri" panose="020F0502020204030204" pitchFamily="34" charset="0"/>
-                <a:ea typeface="微軟正黑體" pitchFamily="34" charset="-120"/>
-                <a:cs typeface="Calibri" panose="020F0502020204030204" pitchFamily="34" charset="0"/>
-              </a:rPr>
-              <a:t>ạo</a:t>
+              <a:t>Đạo</a:t>
             </a:r>
             <a:r>
               <a:rPr lang="en-US" b="1" dirty="0">
@@ -11241,7 +11122,7 @@
                   <a:srgbClr val="000066"/>
                 </a:solidFill>
               </a:rPr>
-              <a:t>( 4 )</a:t>
+              <a:t>( 4 / 4 )</a:t>
             </a:r>
             <a:endParaRPr lang="vi-VN" sz="4267" b="1" dirty="0">
               <a:solidFill>
@@ -11733,27 +11614,7 @@
                 <a:latin typeface="微軟正黑體" pitchFamily="34" charset="-120"/>
                 <a:ea typeface="微軟正黑體" pitchFamily="34" charset="-120"/>
               </a:rPr>
-              <a:t>同來崇拜我救</a:t>
-            </a:r>
-            <a:r>
-              <a:rPr lang="zh-CN" altLang="en-US" sz="6400" b="1" dirty="0">
-                <a:solidFill>
-                  <a:srgbClr val="660033"/>
-                </a:solidFill>
-                <a:latin typeface="微軟正黑體" pitchFamily="34" charset="-120"/>
-                <a:ea typeface="微軟正黑體" pitchFamily="34" charset="-120"/>
-              </a:rPr>
-              <a:t>主  耶</a:t>
-            </a:r>
-            <a:r>
-              <a:rPr lang="zh-CN" altLang="en-US" sz="6400" b="1" dirty="0">
-                <a:solidFill>
-                  <a:srgbClr val="660033"/>
-                </a:solidFill>
-                <a:latin typeface="微軟正黑體" pitchFamily="34" charset="-120"/>
-                <a:ea typeface="微軟正黑體" pitchFamily="34" charset="-120"/>
-              </a:rPr>
-              <a:t>穌基督</a:t>
+              <a:t>同來崇拜我救主  耶穌基督</a:t>
             </a:r>
             <a:endParaRPr lang="en-US" altLang="zh-CN" sz="6400" b="1" dirty="0">
               <a:solidFill>
@@ -12068,18 +11929,7 @@
                 <a:ea typeface="微軟正黑體" pitchFamily="34" charset="-120"/>
                 <a:cs typeface="Calibri" panose="020F0502020204030204" pitchFamily="34" charset="0"/>
               </a:rPr>
-              <a:t> </a:t>
-            </a:r>
-            <a:r>
-              <a:rPr lang="en-US" b="1" dirty="0">
-                <a:solidFill>
-                  <a:srgbClr val="000066"/>
-                </a:solidFill>
-                <a:latin typeface="Calibri" panose="020F0502020204030204" pitchFamily="34" charset="0"/>
-                <a:ea typeface="微軟正黑體" pitchFamily="34" charset="-120"/>
-                <a:cs typeface="Calibri" panose="020F0502020204030204" pitchFamily="34" charset="0"/>
-              </a:rPr>
-              <a:t>Christ, </a:t>
+              <a:t> Christ, </a:t>
             </a:r>
             <a:r>
               <a:rPr lang="en-US" b="1" dirty="0" err="1">
@@ -12512,7 +12362,7 @@
                   <a:srgbClr val="000066"/>
                 </a:solidFill>
               </a:rPr>
-              <a:t>( 1 )</a:t>
+              <a:t>( 1 / 4 )</a:t>
             </a:r>
             <a:endParaRPr lang="vi-VN" sz="4267" b="1" dirty="0">
               <a:solidFill>
@@ -12856,18 +12706,7 @@
                 <a:ea typeface="微軟正黑體" pitchFamily="34" charset="-120"/>
                 <a:cs typeface="Calibri" panose="020F0502020204030204" pitchFamily="34" charset="0"/>
               </a:rPr>
-              <a:t>c</a:t>
-            </a:r>
-            <a:r>
-              <a:rPr lang="en-US" b="1" dirty="0" err="1">
-                <a:solidFill>
-                  <a:srgbClr val="000066"/>
-                </a:solidFill>
-                <a:latin typeface="Calibri" panose="020F0502020204030204" pitchFamily="34" charset="0"/>
-                <a:ea typeface="微軟正黑體" pitchFamily="34" charset="-120"/>
-                <a:cs typeface="Calibri" panose="020F0502020204030204" pitchFamily="34" charset="0"/>
-              </a:rPr>
-              <a:t>hiêm</a:t>
+              <a:t>chiêm</a:t>
             </a:r>
             <a:r>
               <a:rPr lang="en-US" b="1" dirty="0">
@@ -12997,7 +12836,7 @@
                   <a:srgbClr val="000066"/>
                 </a:solidFill>
               </a:rPr>
-              <a:t>( 1 )</a:t>
+              <a:t>( 1 / 4 )</a:t>
             </a:r>
             <a:endParaRPr lang="vi-VN" sz="4267" b="1" dirty="0">
               <a:solidFill>
@@ -13070,17 +12909,7 @@
                 <a:latin typeface="微軟正黑體" pitchFamily="34" charset="-120"/>
                 <a:ea typeface="微軟正黑體" pitchFamily="34" charset="-120"/>
               </a:rPr>
-              <a:t>看聖嬰</a:t>
-            </a:r>
-            <a:r>
-              <a:rPr lang="zh-CN" altLang="en-US" sz="6400" b="1" dirty="0">
-                <a:solidFill>
-                  <a:srgbClr val="660033"/>
-                </a:solidFill>
-                <a:latin typeface="微軟正黑體" pitchFamily="34" charset="-120"/>
-                <a:ea typeface="微軟正黑體" pitchFamily="34" charset="-120"/>
-              </a:rPr>
-              <a:t>孩生</a:t>
+              <a:t>看聖嬰孩生</a:t>
             </a:r>
             <a:endParaRPr lang="en-US" altLang="zh-CN" sz="6400" b="1" dirty="0">
               <a:solidFill>
@@ -13393,7 +13222,7 @@
                   <a:srgbClr val="000066"/>
                 </a:solidFill>
               </a:rPr>
-              <a:t>( 1 )</a:t>
+              <a:t>( 1 / 4 )</a:t>
             </a:r>
             <a:endParaRPr lang="vi-VN" sz="4267" b="1" dirty="0">
               <a:solidFill>
@@ -13790,7 +13619,7 @@
                   <a:srgbClr val="000066"/>
                 </a:solidFill>
               </a:rPr>
-              <a:t>( 1 )</a:t>
+              <a:t>( 1 / 4 )</a:t>
             </a:r>
             <a:endParaRPr lang="vi-VN" sz="4267" b="1" dirty="0">
               <a:solidFill>
@@ -14282,27 +14111,7 @@
                 <a:latin typeface="微軟正黑體" pitchFamily="34" charset="-120"/>
                 <a:ea typeface="微軟正黑體" pitchFamily="34" charset="-120"/>
               </a:rPr>
-              <a:t>同來崇拜我救</a:t>
-            </a:r>
-            <a:r>
-              <a:rPr lang="zh-CN" altLang="en-US" sz="6400" b="1" dirty="0">
-                <a:solidFill>
-                  <a:srgbClr val="660033"/>
-                </a:solidFill>
-                <a:latin typeface="微軟正黑體" pitchFamily="34" charset="-120"/>
-                <a:ea typeface="微軟正黑體" pitchFamily="34" charset="-120"/>
-              </a:rPr>
-              <a:t>主  耶</a:t>
-            </a:r>
-            <a:r>
-              <a:rPr lang="zh-CN" altLang="en-US" sz="6400" b="1" dirty="0">
-                <a:solidFill>
-                  <a:srgbClr val="660033"/>
-                </a:solidFill>
-                <a:latin typeface="微軟正黑體" pitchFamily="34" charset="-120"/>
-                <a:ea typeface="微軟正黑體" pitchFamily="34" charset="-120"/>
-              </a:rPr>
-              <a:t>穌基督</a:t>
+              <a:t>同來崇拜我救主  耶穌基督</a:t>
             </a:r>
             <a:endParaRPr lang="en-US" altLang="zh-CN" sz="6400" b="1" dirty="0">
               <a:solidFill>
@@ -14617,18 +14426,7 @@
                 <a:ea typeface="微軟正黑體" pitchFamily="34" charset="-120"/>
                 <a:cs typeface="Calibri" panose="020F0502020204030204" pitchFamily="34" charset="0"/>
               </a:rPr>
-              <a:t> </a:t>
-            </a:r>
-            <a:r>
-              <a:rPr lang="en-US" b="1" dirty="0">
-                <a:solidFill>
-                  <a:srgbClr val="000066"/>
-                </a:solidFill>
-                <a:latin typeface="Calibri" panose="020F0502020204030204" pitchFamily="34" charset="0"/>
-                <a:ea typeface="微軟正黑體" pitchFamily="34" charset="-120"/>
-                <a:cs typeface="Calibri" panose="020F0502020204030204" pitchFamily="34" charset="0"/>
-              </a:rPr>
-              <a:t>Christ, </a:t>
+              <a:t> Christ, </a:t>
             </a:r>
             <a:r>
               <a:rPr lang="en-US" b="1" dirty="0" err="1">
@@ -14726,17 +14524,7 @@
                 <a:latin typeface="微軟正黑體" pitchFamily="34" charset="-120"/>
                 <a:ea typeface="微軟正黑體" pitchFamily="34" charset="-120"/>
               </a:rPr>
-              <a:t>真</a:t>
-            </a:r>
-            <a:r>
-              <a:rPr lang="zh-CN" altLang="en-US" sz="6400" b="1" dirty="0">
-                <a:solidFill>
-                  <a:srgbClr val="660033"/>
-                </a:solidFill>
-                <a:latin typeface="微軟正黑體" pitchFamily="34" charset="-120"/>
-                <a:ea typeface="微軟正黑體" pitchFamily="34" charset="-120"/>
-              </a:rPr>
-              <a:t>神出之真神</a:t>
+              <a:t>真神出之真神</a:t>
             </a:r>
             <a:endParaRPr lang="en-US" altLang="zh-CN" sz="6400" b="1" dirty="0">
               <a:solidFill>
@@ -15049,7 +14837,23 @@
                   <a:srgbClr val="000066"/>
                 </a:solidFill>
               </a:rPr>
-              <a:t>( 2 )</a:t>
+              <a:t>( </a:t>
+            </a:r>
+            <a:r>
+              <a:rPr lang="en-US" sz="4267" b="1" dirty="0" smtClean="0">
+                <a:solidFill>
+                  <a:srgbClr val="000066"/>
+                </a:solidFill>
+              </a:rPr>
+              <a:t>2 </a:t>
+            </a:r>
+            <a:r>
+              <a:rPr lang="en-US" sz="4267" b="1" dirty="0">
+                <a:solidFill>
+                  <a:srgbClr val="000066"/>
+                </a:solidFill>
+              </a:rPr>
+              <a:t>/ 4 )</a:t>
             </a:r>
             <a:endParaRPr lang="vi-VN" sz="4267" b="1" dirty="0">
               <a:solidFill>

--- a/中越詩歌/朝賀耶穌降生_Hỡi Môn Ðồ Trung Tín.pptx
+++ b/中越詩歌/朝賀耶穌降生_Hỡi Môn Ðồ Trung Tín.pptx
@@ -189,7 +189,7 @@
           <a:lstStyle/>
           <a:p>
             <a:r>
-              <a:rPr lang="en-US" altLang="zh-TW" smtClean="0"/>
+              <a:rPr lang="en-US" altLang="zh-TW"/>
               <a:t>Click to edit Master title style</a:t>
             </a:r>
             <a:endParaRPr lang="zh-TW" altLang="en-US"/>
@@ -308,7 +308,7 @@
           </a:lstStyle>
           <a:p>
             <a:r>
-              <a:rPr lang="en-US" altLang="zh-TW" smtClean="0"/>
+              <a:rPr lang="en-US" altLang="zh-TW"/>
               <a:t>Click to edit Master subtitle style</a:t>
             </a:r>
             <a:endParaRPr lang="zh-TW" altLang="en-US"/>
@@ -332,7 +332,7 @@
           <a:p>
             <a:fld id="{C78A503C-B20E-45F1-BB07-F108CF77DE89}" type="datetimeFigureOut">
               <a:rPr lang="en-US" smtClean="0"/>
-              <a:t>12/17/2022</a:t>
+              <a:t>12/9/2023</a:t>
             </a:fld>
             <a:endParaRPr lang="en-US"/>
           </a:p>
@@ -426,7 +426,7 @@
           <a:lstStyle/>
           <a:p>
             <a:r>
-              <a:rPr lang="en-US" altLang="zh-TW" smtClean="0"/>
+              <a:rPr lang="en-US" altLang="zh-TW"/>
               <a:t>Click to edit Master title style</a:t>
             </a:r>
             <a:endParaRPr lang="zh-TW" altLang="en-US"/>
@@ -450,35 +450,35 @@
           <a:p>
             <a:pPr lvl="0"/>
             <a:r>
-              <a:rPr lang="en-US" altLang="zh-TW" smtClean="0"/>
+              <a:rPr lang="en-US" altLang="zh-TW"/>
               <a:t>Edit Master text styles</a:t>
             </a:r>
           </a:p>
           <a:p>
             <a:pPr lvl="1"/>
             <a:r>
-              <a:rPr lang="en-US" altLang="zh-TW" smtClean="0"/>
+              <a:rPr lang="en-US" altLang="zh-TW"/>
               <a:t>Second level</a:t>
             </a:r>
           </a:p>
           <a:p>
             <a:pPr lvl="2"/>
             <a:r>
-              <a:rPr lang="en-US" altLang="zh-TW" smtClean="0"/>
+              <a:rPr lang="en-US" altLang="zh-TW"/>
               <a:t>Third level</a:t>
             </a:r>
           </a:p>
           <a:p>
             <a:pPr lvl="3"/>
             <a:r>
-              <a:rPr lang="en-US" altLang="zh-TW" smtClean="0"/>
+              <a:rPr lang="en-US" altLang="zh-TW"/>
               <a:t>Fourth level</a:t>
             </a:r>
           </a:p>
           <a:p>
             <a:pPr lvl="4"/>
             <a:r>
-              <a:rPr lang="en-US" altLang="zh-TW" smtClean="0"/>
+              <a:rPr lang="en-US" altLang="zh-TW"/>
               <a:t>Fifth level</a:t>
             </a:r>
             <a:endParaRPr lang="zh-TW" altLang="en-US"/>
@@ -502,7 +502,7 @@
           <a:p>
             <a:fld id="{C78A503C-B20E-45F1-BB07-F108CF77DE89}" type="datetimeFigureOut">
               <a:rPr lang="en-US" smtClean="0"/>
-              <a:t>12/17/2022</a:t>
+              <a:t>12/9/2023</a:t>
             </a:fld>
             <a:endParaRPr lang="en-US"/>
           </a:p>
@@ -601,7 +601,7 @@
           <a:lstStyle/>
           <a:p>
             <a:r>
-              <a:rPr lang="en-US" altLang="zh-TW" smtClean="0"/>
+              <a:rPr lang="en-US" altLang="zh-TW"/>
               <a:t>Click to edit Master title style</a:t>
             </a:r>
             <a:endParaRPr lang="zh-TW" altLang="en-US"/>
@@ -630,35 +630,35 @@
           <a:p>
             <a:pPr lvl="0"/>
             <a:r>
-              <a:rPr lang="en-US" altLang="zh-TW" smtClean="0"/>
+              <a:rPr lang="en-US" altLang="zh-TW"/>
               <a:t>Edit Master text styles</a:t>
             </a:r>
           </a:p>
           <a:p>
             <a:pPr lvl="1"/>
             <a:r>
-              <a:rPr lang="en-US" altLang="zh-TW" smtClean="0"/>
+              <a:rPr lang="en-US" altLang="zh-TW"/>
               <a:t>Second level</a:t>
             </a:r>
           </a:p>
           <a:p>
             <a:pPr lvl="2"/>
             <a:r>
-              <a:rPr lang="en-US" altLang="zh-TW" smtClean="0"/>
+              <a:rPr lang="en-US" altLang="zh-TW"/>
               <a:t>Third level</a:t>
             </a:r>
           </a:p>
           <a:p>
             <a:pPr lvl="3"/>
             <a:r>
-              <a:rPr lang="en-US" altLang="zh-TW" smtClean="0"/>
+              <a:rPr lang="en-US" altLang="zh-TW"/>
               <a:t>Fourth level</a:t>
             </a:r>
           </a:p>
           <a:p>
             <a:pPr lvl="4"/>
             <a:r>
-              <a:rPr lang="en-US" altLang="zh-TW" smtClean="0"/>
+              <a:rPr lang="en-US" altLang="zh-TW"/>
               <a:t>Fifth level</a:t>
             </a:r>
             <a:endParaRPr lang="zh-TW" altLang="en-US"/>
@@ -682,7 +682,7 @@
           <a:p>
             <a:fld id="{C78A503C-B20E-45F1-BB07-F108CF77DE89}" type="datetimeFigureOut">
               <a:rPr lang="en-US" smtClean="0"/>
-              <a:t>12/17/2022</a:t>
+              <a:t>12/9/2023</a:t>
             </a:fld>
             <a:endParaRPr lang="en-US"/>
           </a:p>
@@ -776,7 +776,7 @@
           <a:lstStyle/>
           <a:p>
             <a:r>
-              <a:rPr lang="en-US" altLang="zh-TW" smtClean="0"/>
+              <a:rPr lang="en-US" altLang="zh-TW"/>
               <a:t>Click to edit Master title style</a:t>
             </a:r>
             <a:endParaRPr lang="zh-TW" altLang="en-US"/>
@@ -800,35 +800,35 @@
           <a:p>
             <a:pPr lvl="0"/>
             <a:r>
-              <a:rPr lang="en-US" altLang="zh-TW" smtClean="0"/>
+              <a:rPr lang="en-US" altLang="zh-TW"/>
               <a:t>Edit Master text styles</a:t>
             </a:r>
           </a:p>
           <a:p>
             <a:pPr lvl="1"/>
             <a:r>
-              <a:rPr lang="en-US" altLang="zh-TW" smtClean="0"/>
+              <a:rPr lang="en-US" altLang="zh-TW"/>
               <a:t>Second level</a:t>
             </a:r>
           </a:p>
           <a:p>
             <a:pPr lvl="2"/>
             <a:r>
-              <a:rPr lang="en-US" altLang="zh-TW" smtClean="0"/>
+              <a:rPr lang="en-US" altLang="zh-TW"/>
               <a:t>Third level</a:t>
             </a:r>
           </a:p>
           <a:p>
             <a:pPr lvl="3"/>
             <a:r>
-              <a:rPr lang="en-US" altLang="zh-TW" smtClean="0"/>
+              <a:rPr lang="en-US" altLang="zh-TW"/>
               <a:t>Fourth level</a:t>
             </a:r>
           </a:p>
           <a:p>
             <a:pPr lvl="4"/>
             <a:r>
-              <a:rPr lang="en-US" altLang="zh-TW" smtClean="0"/>
+              <a:rPr lang="en-US" altLang="zh-TW"/>
               <a:t>Fifth level</a:t>
             </a:r>
             <a:endParaRPr lang="zh-TW" altLang="en-US"/>
@@ -852,7 +852,7 @@
           <a:p>
             <a:fld id="{C78A503C-B20E-45F1-BB07-F108CF77DE89}" type="datetimeFigureOut">
               <a:rPr lang="en-US" smtClean="0"/>
-              <a:t>12/17/2022</a:t>
+              <a:t>12/9/2023</a:t>
             </a:fld>
             <a:endParaRPr lang="en-US"/>
           </a:p>
@@ -955,7 +955,7 @@
           </a:lstStyle>
           <a:p>
             <a:r>
-              <a:rPr lang="en-US" altLang="zh-TW" smtClean="0"/>
+              <a:rPr lang="en-US" altLang="zh-TW"/>
               <a:t>Click to edit Master title style</a:t>
             </a:r>
             <a:endParaRPr lang="zh-TW" altLang="en-US"/>
@@ -1075,7 +1075,7 @@
           <a:p>
             <a:pPr lvl="0"/>
             <a:r>
-              <a:rPr lang="en-US" altLang="zh-TW" smtClean="0"/>
+              <a:rPr lang="en-US" altLang="zh-TW"/>
               <a:t>Edit Master text styles</a:t>
             </a:r>
           </a:p>
@@ -1098,7 +1098,7 @@
           <a:p>
             <a:fld id="{C78A503C-B20E-45F1-BB07-F108CF77DE89}" type="datetimeFigureOut">
               <a:rPr lang="en-US" smtClean="0"/>
-              <a:t>12/17/2022</a:t>
+              <a:t>12/9/2023</a:t>
             </a:fld>
             <a:endParaRPr lang="en-US"/>
           </a:p>
@@ -1192,7 +1192,7 @@
           <a:lstStyle/>
           <a:p>
             <a:r>
-              <a:rPr lang="en-US" altLang="zh-TW" smtClean="0"/>
+              <a:rPr lang="en-US" altLang="zh-TW"/>
               <a:t>Click to edit Master title style</a:t>
             </a:r>
             <a:endParaRPr lang="zh-TW" altLang="en-US"/>
@@ -1249,35 +1249,35 @@
           <a:p>
             <a:pPr lvl="0"/>
             <a:r>
-              <a:rPr lang="en-US" altLang="zh-TW" smtClean="0"/>
+              <a:rPr lang="en-US" altLang="zh-TW"/>
               <a:t>Edit Master text styles</a:t>
             </a:r>
           </a:p>
           <a:p>
             <a:pPr lvl="1"/>
             <a:r>
-              <a:rPr lang="en-US" altLang="zh-TW" smtClean="0"/>
+              <a:rPr lang="en-US" altLang="zh-TW"/>
               <a:t>Second level</a:t>
             </a:r>
           </a:p>
           <a:p>
             <a:pPr lvl="2"/>
             <a:r>
-              <a:rPr lang="en-US" altLang="zh-TW" smtClean="0"/>
+              <a:rPr lang="en-US" altLang="zh-TW"/>
               <a:t>Third level</a:t>
             </a:r>
           </a:p>
           <a:p>
             <a:pPr lvl="3"/>
             <a:r>
-              <a:rPr lang="en-US" altLang="zh-TW" smtClean="0"/>
+              <a:rPr lang="en-US" altLang="zh-TW"/>
               <a:t>Fourth level</a:t>
             </a:r>
           </a:p>
           <a:p>
             <a:pPr lvl="4"/>
             <a:r>
-              <a:rPr lang="en-US" altLang="zh-TW" smtClean="0"/>
+              <a:rPr lang="en-US" altLang="zh-TW"/>
               <a:t>Fifth level</a:t>
             </a:r>
             <a:endParaRPr lang="zh-TW" altLang="en-US"/>
@@ -1334,35 +1334,35 @@
           <a:p>
             <a:pPr lvl="0"/>
             <a:r>
-              <a:rPr lang="en-US" altLang="zh-TW" smtClean="0"/>
+              <a:rPr lang="en-US" altLang="zh-TW"/>
               <a:t>Edit Master text styles</a:t>
             </a:r>
           </a:p>
           <a:p>
             <a:pPr lvl="1"/>
             <a:r>
-              <a:rPr lang="en-US" altLang="zh-TW" smtClean="0"/>
+              <a:rPr lang="en-US" altLang="zh-TW"/>
               <a:t>Second level</a:t>
             </a:r>
           </a:p>
           <a:p>
             <a:pPr lvl="2"/>
             <a:r>
-              <a:rPr lang="en-US" altLang="zh-TW" smtClean="0"/>
+              <a:rPr lang="en-US" altLang="zh-TW"/>
               <a:t>Third level</a:t>
             </a:r>
           </a:p>
           <a:p>
             <a:pPr lvl="3"/>
             <a:r>
-              <a:rPr lang="en-US" altLang="zh-TW" smtClean="0"/>
+              <a:rPr lang="en-US" altLang="zh-TW"/>
               <a:t>Fourth level</a:t>
             </a:r>
           </a:p>
           <a:p>
             <a:pPr lvl="4"/>
             <a:r>
-              <a:rPr lang="en-US" altLang="zh-TW" smtClean="0"/>
+              <a:rPr lang="en-US" altLang="zh-TW"/>
               <a:t>Fifth level</a:t>
             </a:r>
             <a:endParaRPr lang="zh-TW" altLang="en-US"/>
@@ -1386,7 +1386,7 @@
           <a:p>
             <a:fld id="{C78A503C-B20E-45F1-BB07-F108CF77DE89}" type="datetimeFigureOut">
               <a:rPr lang="en-US" smtClean="0"/>
-              <a:t>12/17/2022</a:t>
+              <a:t>12/9/2023</a:t>
             </a:fld>
             <a:endParaRPr lang="en-US"/>
           </a:p>
@@ -1484,7 +1484,7 @@
           </a:lstStyle>
           <a:p>
             <a:r>
-              <a:rPr lang="en-US" altLang="zh-TW" smtClean="0"/>
+              <a:rPr lang="en-US" altLang="zh-TW"/>
               <a:t>Click to edit Master title style</a:t>
             </a:r>
             <a:endParaRPr lang="zh-TW" altLang="en-US"/>
@@ -1550,7 +1550,7 @@
           <a:p>
             <a:pPr lvl="0"/>
             <a:r>
-              <a:rPr lang="en-US" altLang="zh-TW" smtClean="0"/>
+              <a:rPr lang="en-US" altLang="zh-TW"/>
               <a:t>Edit Master text styles</a:t>
             </a:r>
           </a:p>
@@ -1606,35 +1606,35 @@
           <a:p>
             <a:pPr lvl="0"/>
             <a:r>
-              <a:rPr lang="en-US" altLang="zh-TW" smtClean="0"/>
+              <a:rPr lang="en-US" altLang="zh-TW"/>
               <a:t>Edit Master text styles</a:t>
             </a:r>
           </a:p>
           <a:p>
             <a:pPr lvl="1"/>
             <a:r>
-              <a:rPr lang="en-US" altLang="zh-TW" smtClean="0"/>
+              <a:rPr lang="en-US" altLang="zh-TW"/>
               <a:t>Second level</a:t>
             </a:r>
           </a:p>
           <a:p>
             <a:pPr lvl="2"/>
             <a:r>
-              <a:rPr lang="en-US" altLang="zh-TW" smtClean="0"/>
+              <a:rPr lang="en-US" altLang="zh-TW"/>
               <a:t>Third level</a:t>
             </a:r>
           </a:p>
           <a:p>
             <a:pPr lvl="3"/>
             <a:r>
-              <a:rPr lang="en-US" altLang="zh-TW" smtClean="0"/>
+              <a:rPr lang="en-US" altLang="zh-TW"/>
               <a:t>Fourth level</a:t>
             </a:r>
           </a:p>
           <a:p>
             <a:pPr lvl="4"/>
             <a:r>
-              <a:rPr lang="en-US" altLang="zh-TW" smtClean="0"/>
+              <a:rPr lang="en-US" altLang="zh-TW"/>
               <a:t>Fifth level</a:t>
             </a:r>
             <a:endParaRPr lang="zh-TW" altLang="en-US"/>
@@ -1700,7 +1700,7 @@
           <a:p>
             <a:pPr lvl="0"/>
             <a:r>
-              <a:rPr lang="en-US" altLang="zh-TW" smtClean="0"/>
+              <a:rPr lang="en-US" altLang="zh-TW"/>
               <a:t>Edit Master text styles</a:t>
             </a:r>
           </a:p>
@@ -1756,35 +1756,35 @@
           <a:p>
             <a:pPr lvl="0"/>
             <a:r>
-              <a:rPr lang="en-US" altLang="zh-TW" smtClean="0"/>
+              <a:rPr lang="en-US" altLang="zh-TW"/>
               <a:t>Edit Master text styles</a:t>
             </a:r>
           </a:p>
           <a:p>
             <a:pPr lvl="1"/>
             <a:r>
-              <a:rPr lang="en-US" altLang="zh-TW" smtClean="0"/>
+              <a:rPr lang="en-US" altLang="zh-TW"/>
               <a:t>Second level</a:t>
             </a:r>
           </a:p>
           <a:p>
             <a:pPr lvl="2"/>
             <a:r>
-              <a:rPr lang="en-US" altLang="zh-TW" smtClean="0"/>
+              <a:rPr lang="en-US" altLang="zh-TW"/>
               <a:t>Third level</a:t>
             </a:r>
           </a:p>
           <a:p>
             <a:pPr lvl="3"/>
             <a:r>
-              <a:rPr lang="en-US" altLang="zh-TW" smtClean="0"/>
+              <a:rPr lang="en-US" altLang="zh-TW"/>
               <a:t>Fourth level</a:t>
             </a:r>
           </a:p>
           <a:p>
             <a:pPr lvl="4"/>
             <a:r>
-              <a:rPr lang="en-US" altLang="zh-TW" smtClean="0"/>
+              <a:rPr lang="en-US" altLang="zh-TW"/>
               <a:t>Fifth level</a:t>
             </a:r>
             <a:endParaRPr lang="zh-TW" altLang="en-US"/>
@@ -1808,7 +1808,7 @@
           <a:p>
             <a:fld id="{C78A503C-B20E-45F1-BB07-F108CF77DE89}" type="datetimeFigureOut">
               <a:rPr lang="en-US" smtClean="0"/>
-              <a:t>12/17/2022</a:t>
+              <a:t>12/9/2023</a:t>
             </a:fld>
             <a:endParaRPr lang="en-US"/>
           </a:p>
@@ -1902,7 +1902,7 @@
           <a:lstStyle/>
           <a:p>
             <a:r>
-              <a:rPr lang="en-US" altLang="zh-TW" smtClean="0"/>
+              <a:rPr lang="en-US" altLang="zh-TW"/>
               <a:t>Click to edit Master title style</a:t>
             </a:r>
             <a:endParaRPr lang="zh-TW" altLang="en-US"/>
@@ -1926,7 +1926,7 @@
           <a:p>
             <a:fld id="{C78A503C-B20E-45F1-BB07-F108CF77DE89}" type="datetimeFigureOut">
               <a:rPr lang="en-US" smtClean="0"/>
-              <a:t>12/17/2022</a:t>
+              <a:t>12/9/2023</a:t>
             </a:fld>
             <a:endParaRPr lang="en-US"/>
           </a:p>
@@ -2021,7 +2021,7 @@
           <a:p>
             <a:fld id="{C78A503C-B20E-45F1-BB07-F108CF77DE89}" type="datetimeFigureOut">
               <a:rPr lang="en-US" smtClean="0"/>
-              <a:t>12/17/2022</a:t>
+              <a:t>12/9/2023</a:t>
             </a:fld>
             <a:endParaRPr lang="en-US"/>
           </a:p>
@@ -2124,7 +2124,7 @@
           </a:lstStyle>
           <a:p>
             <a:r>
-              <a:rPr lang="en-US" altLang="zh-TW" smtClean="0"/>
+              <a:rPr lang="en-US" altLang="zh-TW"/>
               <a:t>Click to edit Master title style</a:t>
             </a:r>
             <a:endParaRPr lang="zh-TW" altLang="en-US"/>
@@ -2181,35 +2181,35 @@
           <a:p>
             <a:pPr lvl="0"/>
             <a:r>
-              <a:rPr lang="en-US" altLang="zh-TW" smtClean="0"/>
+              <a:rPr lang="en-US" altLang="zh-TW"/>
               <a:t>Edit Master text styles</a:t>
             </a:r>
           </a:p>
           <a:p>
             <a:pPr lvl="1"/>
             <a:r>
-              <a:rPr lang="en-US" altLang="zh-TW" smtClean="0"/>
+              <a:rPr lang="en-US" altLang="zh-TW"/>
               <a:t>Second level</a:t>
             </a:r>
           </a:p>
           <a:p>
             <a:pPr lvl="2"/>
             <a:r>
-              <a:rPr lang="en-US" altLang="zh-TW" smtClean="0"/>
+              <a:rPr lang="en-US" altLang="zh-TW"/>
               <a:t>Third level</a:t>
             </a:r>
           </a:p>
           <a:p>
             <a:pPr lvl="3"/>
             <a:r>
-              <a:rPr lang="en-US" altLang="zh-TW" smtClean="0"/>
+              <a:rPr lang="en-US" altLang="zh-TW"/>
               <a:t>Fourth level</a:t>
             </a:r>
           </a:p>
           <a:p>
             <a:pPr lvl="4"/>
             <a:r>
-              <a:rPr lang="en-US" altLang="zh-TW" smtClean="0"/>
+              <a:rPr lang="en-US" altLang="zh-TW"/>
               <a:t>Fifth level</a:t>
             </a:r>
             <a:endParaRPr lang="zh-TW" altLang="en-US"/>
@@ -2275,7 +2275,7 @@
           <a:p>
             <a:pPr lvl="0"/>
             <a:r>
-              <a:rPr lang="en-US" altLang="zh-TW" smtClean="0"/>
+              <a:rPr lang="en-US" altLang="zh-TW"/>
               <a:t>Edit Master text styles</a:t>
             </a:r>
           </a:p>
@@ -2298,7 +2298,7 @@
           <a:p>
             <a:fld id="{C78A503C-B20E-45F1-BB07-F108CF77DE89}" type="datetimeFigureOut">
               <a:rPr lang="en-US" smtClean="0"/>
-              <a:t>12/17/2022</a:t>
+              <a:t>12/9/2023</a:t>
             </a:fld>
             <a:endParaRPr lang="en-US"/>
           </a:p>
@@ -2401,7 +2401,7 @@
           </a:lstStyle>
           <a:p>
             <a:r>
-              <a:rPr lang="en-US" altLang="zh-TW" smtClean="0"/>
+              <a:rPr lang="en-US" altLang="zh-TW"/>
               <a:t>Click to edit Master title style</a:t>
             </a:r>
             <a:endParaRPr lang="zh-TW" altLang="en-US"/>
@@ -2466,7 +2466,7 @@
           </a:lstStyle>
           <a:p>
             <a:r>
-              <a:rPr lang="en-US" altLang="zh-TW" smtClean="0"/>
+              <a:rPr lang="en-US" altLang="zh-TW"/>
               <a:t>Click icon to add picture</a:t>
             </a:r>
             <a:endParaRPr lang="zh-TW" altLang="en-US"/>
@@ -2532,7 +2532,7 @@
           <a:p>
             <a:pPr lvl="0"/>
             <a:r>
-              <a:rPr lang="en-US" altLang="zh-TW" smtClean="0"/>
+              <a:rPr lang="en-US" altLang="zh-TW"/>
               <a:t>Edit Master text styles</a:t>
             </a:r>
           </a:p>
@@ -2555,7 +2555,7 @@
           <a:p>
             <a:fld id="{C78A503C-B20E-45F1-BB07-F108CF77DE89}" type="datetimeFigureOut">
               <a:rPr lang="en-US" smtClean="0"/>
-              <a:t>12/17/2022</a:t>
+              <a:t>12/9/2023</a:t>
             </a:fld>
             <a:endParaRPr lang="en-US"/>
           </a:p>
@@ -2669,10 +2669,9 @@
           <a:lstStyle/>
           <a:p>
             <a:r>
-              <a:rPr lang="zh-TW" altLang="en-US" smtClean="0"/>
+              <a:rPr lang="zh-TW" altLang="en-US"/>
               <a:t>按一下以編輯母片標題樣式</a:t>
             </a:r>
-            <a:endParaRPr lang="zh-TW" altLang="en-US"/>
           </a:p>
         </p:txBody>
       </p:sp>
@@ -2703,38 +2702,37 @@
           <a:p>
             <a:pPr lvl="0"/>
             <a:r>
-              <a:rPr lang="zh-TW" altLang="en-US" smtClean="0"/>
+              <a:rPr lang="zh-TW" altLang="en-US"/>
               <a:t>按一下以編輯母片文字樣式</a:t>
             </a:r>
           </a:p>
           <a:p>
             <a:pPr lvl="1"/>
             <a:r>
-              <a:rPr lang="zh-TW" altLang="en-US" smtClean="0"/>
+              <a:rPr lang="zh-TW" altLang="en-US"/>
               <a:t>第二層</a:t>
             </a:r>
           </a:p>
           <a:p>
             <a:pPr lvl="2"/>
             <a:r>
-              <a:rPr lang="zh-TW" altLang="en-US" smtClean="0"/>
+              <a:rPr lang="zh-TW" altLang="en-US"/>
               <a:t>第三層</a:t>
             </a:r>
           </a:p>
           <a:p>
             <a:pPr lvl="3"/>
             <a:r>
-              <a:rPr lang="zh-TW" altLang="en-US" smtClean="0"/>
+              <a:rPr lang="zh-TW" altLang="en-US"/>
               <a:t>第四層</a:t>
             </a:r>
           </a:p>
           <a:p>
             <a:pPr lvl="4"/>
             <a:r>
-              <a:rPr lang="zh-TW" altLang="en-US" smtClean="0"/>
+              <a:rPr lang="zh-TW" altLang="en-US"/>
               <a:t>第五層</a:t>
             </a:r>
-            <a:endParaRPr lang="zh-TW" altLang="en-US"/>
           </a:p>
         </p:txBody>
       </p:sp>
@@ -2773,7 +2771,7 @@
           <a:p>
             <a:fld id="{C78A503C-B20E-45F1-BB07-F108CF77DE89}" type="datetimeFigureOut">
               <a:rPr lang="en-US" smtClean="0"/>
-              <a:t>12/17/2022</a:t>
+              <a:t>12/9/2023</a:t>
             </a:fld>
             <a:endParaRPr lang="en-US"/>
           </a:p>
@@ -3171,6 +3169,40 @@
           <a:lstStyle/>
           <a:p>
             <a:r>
+              <a:rPr lang="zh-CN" altLang="en-US" sz="7200" b="1" i="1" dirty="0">
+                <a:solidFill>
+                  <a:srgbClr val="660033"/>
+                </a:solidFill>
+                <a:effectLst>
+                  <a:outerShdw blurRad="38100" dist="38100" dir="2700000" algn="tl">
+                    <a:srgbClr val="000000">
+                      <a:alpha val="43137"/>
+                    </a:srgbClr>
+                  </a:outerShdw>
+                </a:effectLst>
+                <a:latin typeface="微軟正黑體" pitchFamily="34" charset="-120"/>
+                <a:ea typeface="微軟正黑體" pitchFamily="34" charset="-120"/>
+              </a:rPr>
+              <a:t>宣 </a:t>
+            </a:r>
+            <a:r>
+              <a:rPr lang="en-US" altLang="zh-CN" sz="7200" b="1" i="1" dirty="0">
+                <a:solidFill>
+                  <a:srgbClr val="660033"/>
+                </a:solidFill>
+                <a:effectLst>
+                  <a:outerShdw blurRad="38100" dist="38100" dir="2700000" algn="tl">
+                    <a:srgbClr val="000000">
+                      <a:alpha val="43137"/>
+                    </a:srgbClr>
+                  </a:outerShdw>
+                </a:effectLst>
+                <a:latin typeface="微軟正黑體" pitchFamily="34" charset="-120"/>
+                <a:ea typeface="微軟正黑體" pitchFamily="34" charset="-120"/>
+              </a:rPr>
+              <a:t>280 - </a:t>
+            </a:r>
+            <a:r>
               <a:rPr lang="zh-TW" altLang="en-US" sz="7200" b="1" i="1" dirty="0">
                 <a:solidFill>
                   <a:srgbClr val="660033"/>
@@ -3229,7 +3261,7 @@
           </a:lstStyle>
           <a:p>
             <a:r>
-              <a:rPr lang="vi-VN" sz="5400" b="1" i="1" dirty="0">
+              <a:rPr lang="en-US" sz="5400" b="1" i="1">
                 <a:solidFill>
                   <a:srgbClr val="000066"/>
                 </a:solidFill>
@@ -3244,7 +3276,43 @@
                 <a:ea typeface="微軟正黑體" pitchFamily="34" charset="-120"/>
                 <a:cs typeface="Calibri" panose="020F0502020204030204" pitchFamily="34" charset="0"/>
               </a:rPr>
-              <a:t>Hỡi môn đồ trung tín</a:t>
+              <a:t>TC 55 - </a:t>
+            </a:r>
+            <a:r>
+              <a:rPr lang="vi-VN" sz="5400" b="1" i="1">
+                <a:solidFill>
+                  <a:srgbClr val="000066"/>
+                </a:solidFill>
+                <a:effectLst>
+                  <a:outerShdw blurRad="38100" dist="38100" dir="2700000" algn="tl">
+                    <a:srgbClr val="000000">
+                      <a:alpha val="43137"/>
+                    </a:srgbClr>
+                  </a:outerShdw>
+                </a:effectLst>
+                <a:latin typeface="Calibri" panose="020F0502020204030204" pitchFamily="34" charset="0"/>
+                <a:ea typeface="微軟正黑體" pitchFamily="34" charset="-120"/>
+                <a:cs typeface="Calibri" panose="020F0502020204030204" pitchFamily="34" charset="0"/>
+              </a:rPr>
+              <a:t>Hỡi </a:t>
+            </a:r>
+            <a:r>
+              <a:rPr lang="vi-VN" sz="5400" b="1" i="1" dirty="0">
+                <a:solidFill>
+                  <a:srgbClr val="000066"/>
+                </a:solidFill>
+                <a:effectLst>
+                  <a:outerShdw blurRad="38100" dist="38100" dir="2700000" algn="tl">
+                    <a:srgbClr val="000000">
+                      <a:alpha val="43137"/>
+                    </a:srgbClr>
+                  </a:outerShdw>
+                </a:effectLst>
+                <a:latin typeface="Calibri" panose="020F0502020204030204" pitchFamily="34" charset="0"/>
+                <a:ea typeface="微軟正黑體" pitchFamily="34" charset="-120"/>
+                <a:cs typeface="Calibri" panose="020F0502020204030204" pitchFamily="34" charset="0"/>
+              </a:rPr>
+              <a:t>môn đồ trung tín</a:t>
             </a:r>
             <a:endParaRPr lang="zh-TW" altLang="en-US" sz="5400" b="1" i="1" dirty="0">
               <a:solidFill>
@@ -6115,23 +6183,7 @@
                   <a:srgbClr val="000066"/>
                 </a:solidFill>
               </a:rPr>
-              <a:t>( </a:t>
-            </a:r>
-            <a:r>
-              <a:rPr lang="en-US" sz="4267" b="1" dirty="0" smtClean="0">
-                <a:solidFill>
-                  <a:srgbClr val="000066"/>
-                </a:solidFill>
-              </a:rPr>
-              <a:t>3 </a:t>
-            </a:r>
-            <a:r>
-              <a:rPr lang="en-US" sz="4267" b="1" dirty="0">
-                <a:solidFill>
-                  <a:srgbClr val="000066"/>
-                </a:solidFill>
-              </a:rPr>
-              <a:t>/ 4 )</a:t>
+              <a:t>( 3 / 4 )</a:t>
             </a:r>
             <a:endParaRPr lang="vi-VN" sz="4267" b="1" dirty="0">
               <a:solidFill>
@@ -7785,23 +7837,7 @@
                   <a:srgbClr val="000066"/>
                 </a:solidFill>
               </a:rPr>
-              <a:t>( </a:t>
-            </a:r>
-            <a:r>
-              <a:rPr lang="en-US" sz="4267" b="1" dirty="0" smtClean="0">
-                <a:solidFill>
-                  <a:srgbClr val="000066"/>
-                </a:solidFill>
-              </a:rPr>
-              <a:t>1 / 4 </a:t>
-            </a:r>
-            <a:r>
-              <a:rPr lang="en-US" sz="4267" b="1" dirty="0">
-                <a:solidFill>
-                  <a:srgbClr val="000066"/>
-                </a:solidFill>
-              </a:rPr>
-              <a:t>)</a:t>
+              <a:t>( 1 / 4 )</a:t>
             </a:r>
             <a:endParaRPr lang="vi-VN" sz="4267" b="1" dirty="0">
               <a:solidFill>
@@ -9452,23 +9488,7 @@
                   <a:srgbClr val="000066"/>
                 </a:solidFill>
               </a:rPr>
-              <a:t>( </a:t>
-            </a:r>
-            <a:r>
-              <a:rPr lang="en-US" sz="4267" b="1" dirty="0" smtClean="0">
-                <a:solidFill>
-                  <a:srgbClr val="000066"/>
-                </a:solidFill>
-              </a:rPr>
-              <a:t>4 </a:t>
-            </a:r>
-            <a:r>
-              <a:rPr lang="en-US" sz="4267" b="1" dirty="0">
-                <a:solidFill>
-                  <a:srgbClr val="000066"/>
-                </a:solidFill>
-              </a:rPr>
-              <a:t>/ 4 )</a:t>
+              <a:t>( 4 / 4 )</a:t>
             </a:r>
             <a:endParaRPr lang="vi-VN" sz="4267" b="1" dirty="0">
               <a:solidFill>
@@ -14837,23 +14857,7 @@
                   <a:srgbClr val="000066"/>
                 </a:solidFill>
               </a:rPr>
-              <a:t>( </a:t>
-            </a:r>
-            <a:r>
-              <a:rPr lang="en-US" sz="4267" b="1" dirty="0" smtClean="0">
-                <a:solidFill>
-                  <a:srgbClr val="000066"/>
-                </a:solidFill>
-              </a:rPr>
-              <a:t>2 </a:t>
-            </a:r>
-            <a:r>
-              <a:rPr lang="en-US" sz="4267" b="1" dirty="0">
-                <a:solidFill>
-                  <a:srgbClr val="000066"/>
-                </a:solidFill>
-              </a:rPr>
-              <a:t>/ 4 )</a:t>
+              <a:t>( 2 / 4 )</a:t>
             </a:r>
             <a:endParaRPr lang="vi-VN" sz="4267" b="1" dirty="0">
               <a:solidFill>

--- a/中越詩歌/朝賀耶穌降生_Hỡi Môn Ðồ Trung Tín.pptx
+++ b/中越詩歌/朝賀耶穌降生_Hỡi Môn Ðồ Trung Tín.pptx
@@ -332,7 +332,7 @@
           <a:p>
             <a:fld id="{C78A503C-B20E-45F1-BB07-F108CF77DE89}" type="datetimeFigureOut">
               <a:rPr lang="en-US" smtClean="0"/>
-              <a:t>12/9/2023</a:t>
+              <a:t>12/23/2023</a:t>
             </a:fld>
             <a:endParaRPr lang="en-US"/>
           </a:p>
@@ -502,7 +502,7 @@
           <a:p>
             <a:fld id="{C78A503C-B20E-45F1-BB07-F108CF77DE89}" type="datetimeFigureOut">
               <a:rPr lang="en-US" smtClean="0"/>
-              <a:t>12/9/2023</a:t>
+              <a:t>12/23/2023</a:t>
             </a:fld>
             <a:endParaRPr lang="en-US"/>
           </a:p>
@@ -682,7 +682,7 @@
           <a:p>
             <a:fld id="{C78A503C-B20E-45F1-BB07-F108CF77DE89}" type="datetimeFigureOut">
               <a:rPr lang="en-US" smtClean="0"/>
-              <a:t>12/9/2023</a:t>
+              <a:t>12/23/2023</a:t>
             </a:fld>
             <a:endParaRPr lang="en-US"/>
           </a:p>
@@ -852,7 +852,7 @@
           <a:p>
             <a:fld id="{C78A503C-B20E-45F1-BB07-F108CF77DE89}" type="datetimeFigureOut">
               <a:rPr lang="en-US" smtClean="0"/>
-              <a:t>12/9/2023</a:t>
+              <a:t>12/23/2023</a:t>
             </a:fld>
             <a:endParaRPr lang="en-US"/>
           </a:p>
@@ -1098,7 +1098,7 @@
           <a:p>
             <a:fld id="{C78A503C-B20E-45F1-BB07-F108CF77DE89}" type="datetimeFigureOut">
               <a:rPr lang="en-US" smtClean="0"/>
-              <a:t>12/9/2023</a:t>
+              <a:t>12/23/2023</a:t>
             </a:fld>
             <a:endParaRPr lang="en-US"/>
           </a:p>
@@ -1386,7 +1386,7 @@
           <a:p>
             <a:fld id="{C78A503C-B20E-45F1-BB07-F108CF77DE89}" type="datetimeFigureOut">
               <a:rPr lang="en-US" smtClean="0"/>
-              <a:t>12/9/2023</a:t>
+              <a:t>12/23/2023</a:t>
             </a:fld>
             <a:endParaRPr lang="en-US"/>
           </a:p>
@@ -1808,7 +1808,7 @@
           <a:p>
             <a:fld id="{C78A503C-B20E-45F1-BB07-F108CF77DE89}" type="datetimeFigureOut">
               <a:rPr lang="en-US" smtClean="0"/>
-              <a:t>12/9/2023</a:t>
+              <a:t>12/23/2023</a:t>
             </a:fld>
             <a:endParaRPr lang="en-US"/>
           </a:p>
@@ -1926,7 +1926,7 @@
           <a:p>
             <a:fld id="{C78A503C-B20E-45F1-BB07-F108CF77DE89}" type="datetimeFigureOut">
               <a:rPr lang="en-US" smtClean="0"/>
-              <a:t>12/9/2023</a:t>
+              <a:t>12/23/2023</a:t>
             </a:fld>
             <a:endParaRPr lang="en-US"/>
           </a:p>
@@ -2021,7 +2021,7 @@
           <a:p>
             <a:fld id="{C78A503C-B20E-45F1-BB07-F108CF77DE89}" type="datetimeFigureOut">
               <a:rPr lang="en-US" smtClean="0"/>
-              <a:t>12/9/2023</a:t>
+              <a:t>12/23/2023</a:t>
             </a:fld>
             <a:endParaRPr lang="en-US"/>
           </a:p>
@@ -2298,7 +2298,7 @@
           <a:p>
             <a:fld id="{C78A503C-B20E-45F1-BB07-F108CF77DE89}" type="datetimeFigureOut">
               <a:rPr lang="en-US" smtClean="0"/>
-              <a:t>12/9/2023</a:t>
+              <a:t>12/23/2023</a:t>
             </a:fld>
             <a:endParaRPr lang="en-US"/>
           </a:p>
@@ -2555,7 +2555,7 @@
           <a:p>
             <a:fld id="{C78A503C-B20E-45F1-BB07-F108CF77DE89}" type="datetimeFigureOut">
               <a:rPr lang="en-US" smtClean="0"/>
-              <a:t>12/9/2023</a:t>
+              <a:t>12/23/2023</a:t>
             </a:fld>
             <a:endParaRPr lang="en-US"/>
           </a:p>
@@ -2771,7 +2771,7 @@
           <a:p>
             <a:fld id="{C78A503C-B20E-45F1-BB07-F108CF77DE89}" type="datetimeFigureOut">
               <a:rPr lang="en-US" smtClean="0"/>
-              <a:t>12/9/2023</a:t>
+              <a:t>12/23/2023</a:t>
             </a:fld>
             <a:endParaRPr lang="en-US"/>
           </a:p>
@@ -3688,7 +3688,7 @@
         <p:spPr>
           <a:xfrm>
             <a:off x="0" y="5253203"/>
-            <a:ext cx="12192000" cy="748988"/>
+            <a:ext cx="12192000" cy="584775"/>
           </a:xfrm>
           <a:prstGeom prst="rect">
             <a:avLst/>
@@ -3703,14 +3703,14 @@
           <a:p>
             <a:pPr algn="ctr"/>
             <a:r>
-              <a:rPr lang="en-US" sz="4267" b="1" dirty="0">
+              <a:rPr lang="en-US" sz="3200" b="1" dirty="0">
                 <a:solidFill>
                   <a:srgbClr val="000066"/>
                 </a:solidFill>
               </a:rPr>
               <a:t>( 2 / 4 )</a:t>
             </a:r>
-            <a:endParaRPr lang="vi-VN" sz="4267" b="1" dirty="0">
+            <a:endParaRPr lang="vi-VN" sz="3200" b="1" dirty="0">
               <a:solidFill>
                 <a:srgbClr val="000066"/>
               </a:solidFill>
@@ -4184,7 +4184,7 @@
         <p:spPr>
           <a:xfrm>
             <a:off x="0" y="5253203"/>
-            <a:ext cx="12192000" cy="748988"/>
+            <a:ext cx="12192000" cy="584775"/>
           </a:xfrm>
           <a:prstGeom prst="rect">
             <a:avLst/>
@@ -4199,14 +4199,14 @@
           <a:p>
             <a:pPr algn="ctr"/>
             <a:r>
-              <a:rPr lang="en-US" sz="4267" b="1" dirty="0">
+              <a:rPr lang="en-US" sz="3200" b="1" dirty="0">
                 <a:solidFill>
                   <a:srgbClr val="000066"/>
                 </a:solidFill>
               </a:rPr>
               <a:t>( 2 / 4 )</a:t>
             </a:r>
-            <a:endParaRPr lang="vi-VN" sz="4267" b="1" dirty="0">
+            <a:endParaRPr lang="vi-VN" sz="3200" b="1" dirty="0">
               <a:solidFill>
                 <a:srgbClr val="000066"/>
               </a:solidFill>
@@ -4548,7 +4548,7 @@
         <p:spPr>
           <a:xfrm>
             <a:off x="0" y="5253203"/>
-            <a:ext cx="12192000" cy="748988"/>
+            <a:ext cx="12192000" cy="584775"/>
           </a:xfrm>
           <a:prstGeom prst="rect">
             <a:avLst/>
@@ -4563,14 +4563,14 @@
           <a:p>
             <a:pPr algn="ctr"/>
             <a:r>
-              <a:rPr lang="en-US" sz="4267" b="1" dirty="0">
+              <a:rPr lang="en-US" sz="3200" b="1" dirty="0">
                 <a:solidFill>
                   <a:srgbClr val="000066"/>
                 </a:solidFill>
               </a:rPr>
               <a:t>( 2 / 4 )</a:t>
             </a:r>
-            <a:endParaRPr lang="vi-VN" sz="4267" b="1" dirty="0">
+            <a:endParaRPr lang="vi-VN" sz="3200" b="1" dirty="0">
               <a:solidFill>
                 <a:srgbClr val="000066"/>
               </a:solidFill>
@@ -4956,7 +4956,7 @@
         <p:spPr>
           <a:xfrm>
             <a:off x="0" y="5253203"/>
-            <a:ext cx="12192000" cy="748988"/>
+            <a:ext cx="12192000" cy="584775"/>
           </a:xfrm>
           <a:prstGeom prst="rect">
             <a:avLst/>
@@ -4971,14 +4971,14 @@
           <a:p>
             <a:pPr algn="ctr"/>
             <a:r>
-              <a:rPr lang="en-US" sz="4267" b="1" dirty="0">
+              <a:rPr lang="en-US" sz="3200" b="1" dirty="0">
                 <a:solidFill>
                   <a:srgbClr val="000066"/>
                 </a:solidFill>
               </a:rPr>
               <a:t>( 2 / 4 )</a:t>
             </a:r>
-            <a:endParaRPr lang="vi-VN" sz="4267" b="1" dirty="0">
+            <a:endParaRPr lang="vi-VN" sz="3200" b="1" dirty="0">
               <a:solidFill>
                 <a:srgbClr val="000066"/>
               </a:solidFill>
@@ -5375,7 +5375,7 @@
         <p:spPr>
           <a:xfrm>
             <a:off x="0" y="5253203"/>
-            <a:ext cx="12192000" cy="748988"/>
+            <a:ext cx="12192000" cy="584775"/>
           </a:xfrm>
           <a:prstGeom prst="rect">
             <a:avLst/>
@@ -5390,14 +5390,14 @@
           <a:p>
             <a:pPr algn="ctr"/>
             <a:r>
-              <a:rPr lang="en-US" sz="4267" b="1" dirty="0">
+              <a:rPr lang="en-US" sz="3200" b="1" dirty="0">
                 <a:solidFill>
                   <a:srgbClr val="000066"/>
                 </a:solidFill>
               </a:rPr>
               <a:t>( x2 )</a:t>
             </a:r>
-            <a:endParaRPr lang="vi-VN" sz="4267" b="1" dirty="0">
+            <a:endParaRPr lang="vi-VN" sz="3200" b="1" dirty="0">
               <a:solidFill>
                 <a:srgbClr val="000066"/>
               </a:solidFill>
@@ -6163,7 +6163,7 @@
         <p:spPr>
           <a:xfrm>
             <a:off x="0" y="5253203"/>
-            <a:ext cx="12192000" cy="748988"/>
+            <a:ext cx="12192000" cy="584775"/>
           </a:xfrm>
           <a:prstGeom prst="rect">
             <a:avLst/>
@@ -6178,14 +6178,14 @@
           <a:p>
             <a:pPr algn="ctr"/>
             <a:r>
-              <a:rPr lang="en-US" sz="4267" b="1" dirty="0">
+              <a:rPr lang="en-US" sz="3200" b="1" dirty="0">
                 <a:solidFill>
                   <a:srgbClr val="000066"/>
                 </a:solidFill>
               </a:rPr>
               <a:t>( 3 / 4 )</a:t>
             </a:r>
-            <a:endParaRPr lang="vi-VN" sz="4267" b="1" dirty="0">
+            <a:endParaRPr lang="vi-VN" sz="3200" b="1" dirty="0">
               <a:solidFill>
                 <a:srgbClr val="000066"/>
               </a:solidFill>
@@ -6593,7 +6593,7 @@
         <p:spPr>
           <a:xfrm>
             <a:off x="0" y="5253203"/>
-            <a:ext cx="12192000" cy="748988"/>
+            <a:ext cx="12192000" cy="584775"/>
           </a:xfrm>
           <a:prstGeom prst="rect">
             <a:avLst/>
@@ -6608,14 +6608,14 @@
           <a:p>
             <a:pPr algn="ctr"/>
             <a:r>
-              <a:rPr lang="en-US" sz="4267" b="1" dirty="0">
+              <a:rPr lang="en-US" sz="3200" b="1" dirty="0">
                 <a:solidFill>
                   <a:srgbClr val="000066"/>
                 </a:solidFill>
               </a:rPr>
               <a:t>( 3 / 4 )</a:t>
             </a:r>
-            <a:endParaRPr lang="vi-VN" sz="4267" b="1" dirty="0">
+            <a:endParaRPr lang="vi-VN" sz="3200" b="1" dirty="0">
               <a:solidFill>
                 <a:srgbClr val="000066"/>
               </a:solidFill>
@@ -7067,7 +7067,7 @@
         <p:spPr>
           <a:xfrm>
             <a:off x="0" y="5253203"/>
-            <a:ext cx="12192000" cy="748988"/>
+            <a:ext cx="12192000" cy="584775"/>
           </a:xfrm>
           <a:prstGeom prst="rect">
             <a:avLst/>
@@ -7082,14 +7082,14 @@
           <a:p>
             <a:pPr algn="ctr"/>
             <a:r>
-              <a:rPr lang="en-US" sz="4267" b="1" dirty="0">
+              <a:rPr lang="en-US" sz="3200" b="1" dirty="0">
                 <a:solidFill>
                   <a:srgbClr val="000066"/>
                 </a:solidFill>
               </a:rPr>
               <a:t>( 3 / 4 )</a:t>
             </a:r>
-            <a:endParaRPr lang="vi-VN" sz="4267" b="1" dirty="0">
+            <a:endParaRPr lang="vi-VN" sz="3200" b="1" dirty="0">
               <a:solidFill>
                 <a:srgbClr val="000066"/>
               </a:solidFill>
@@ -7431,7 +7431,7 @@
         <p:spPr>
           <a:xfrm>
             <a:off x="0" y="5253203"/>
-            <a:ext cx="12192000" cy="748988"/>
+            <a:ext cx="12192000" cy="584775"/>
           </a:xfrm>
           <a:prstGeom prst="rect">
             <a:avLst/>
@@ -7446,14 +7446,14 @@
           <a:p>
             <a:pPr algn="ctr"/>
             <a:r>
-              <a:rPr lang="en-US" sz="4267" b="1" dirty="0">
+              <a:rPr lang="en-US" sz="3200" b="1" dirty="0">
                 <a:solidFill>
                   <a:srgbClr val="000066"/>
                 </a:solidFill>
               </a:rPr>
               <a:t>( 3 / 4 )</a:t>
             </a:r>
-            <a:endParaRPr lang="vi-VN" sz="4267" b="1" dirty="0">
+            <a:endParaRPr lang="vi-VN" sz="3200" b="1" dirty="0">
               <a:solidFill>
                 <a:srgbClr val="000066"/>
               </a:solidFill>
@@ -7817,7 +7817,7 @@
         <p:spPr>
           <a:xfrm>
             <a:off x="0" y="5253203"/>
-            <a:ext cx="12192000" cy="748988"/>
+            <a:ext cx="12192000" cy="584775"/>
           </a:xfrm>
           <a:prstGeom prst="rect">
             <a:avLst/>
@@ -7832,14 +7832,14 @@
           <a:p>
             <a:pPr algn="ctr"/>
             <a:r>
-              <a:rPr lang="en-US" sz="4267" b="1" dirty="0">
+              <a:rPr lang="en-US" sz="3200" b="1" dirty="0">
                 <a:solidFill>
                   <a:srgbClr val="000066"/>
                 </a:solidFill>
               </a:rPr>
               <a:t>( 1 / 4 )</a:t>
             </a:r>
-            <a:endParaRPr lang="vi-VN" sz="4267" b="1" dirty="0">
+            <a:endParaRPr lang="vi-VN" sz="3200" b="1" dirty="0">
               <a:solidFill>
                 <a:srgbClr val="000066"/>
               </a:solidFill>
@@ -8225,7 +8225,7 @@
         <p:spPr>
           <a:xfrm>
             <a:off x="0" y="5253203"/>
-            <a:ext cx="12192000" cy="748988"/>
+            <a:ext cx="12192000" cy="584775"/>
           </a:xfrm>
           <a:prstGeom prst="rect">
             <a:avLst/>
@@ -8240,14 +8240,14 @@
           <a:p>
             <a:pPr algn="ctr"/>
             <a:r>
-              <a:rPr lang="en-US" sz="4267" b="1" dirty="0">
+              <a:rPr lang="en-US" sz="3200" b="1" dirty="0">
                 <a:solidFill>
                   <a:srgbClr val="000066"/>
                 </a:solidFill>
               </a:rPr>
               <a:t>( 3 / 4 )</a:t>
             </a:r>
-            <a:endParaRPr lang="vi-VN" sz="4267" b="1" dirty="0">
+            <a:endParaRPr lang="vi-VN" sz="3200" b="1" dirty="0">
               <a:solidFill>
                 <a:srgbClr val="000066"/>
               </a:solidFill>
@@ -8644,7 +8644,7 @@
         <p:spPr>
           <a:xfrm>
             <a:off x="0" y="5253203"/>
-            <a:ext cx="12192000" cy="748988"/>
+            <a:ext cx="12192000" cy="584775"/>
           </a:xfrm>
           <a:prstGeom prst="rect">
             <a:avLst/>
@@ -8659,14 +8659,14 @@
           <a:p>
             <a:pPr algn="ctr"/>
             <a:r>
-              <a:rPr lang="en-US" sz="4267" b="1" dirty="0">
+              <a:rPr lang="en-US" sz="3200" b="1" dirty="0">
                 <a:solidFill>
                   <a:srgbClr val="000066"/>
                 </a:solidFill>
               </a:rPr>
               <a:t>( x2 )</a:t>
             </a:r>
-            <a:endParaRPr lang="vi-VN" sz="4267" b="1" dirty="0">
+            <a:endParaRPr lang="vi-VN" sz="3200" b="1" dirty="0">
               <a:solidFill>
                 <a:srgbClr val="000066"/>
               </a:solidFill>
@@ -9468,7 +9468,7 @@
         <p:spPr>
           <a:xfrm>
             <a:off x="0" y="5253203"/>
-            <a:ext cx="12192000" cy="748988"/>
+            <a:ext cx="12192000" cy="584775"/>
           </a:xfrm>
           <a:prstGeom prst="rect">
             <a:avLst/>
@@ -9483,14 +9483,14 @@
           <a:p>
             <a:pPr algn="ctr"/>
             <a:r>
-              <a:rPr lang="en-US" sz="4267" b="1" dirty="0">
+              <a:rPr lang="en-US" sz="3200" b="1" dirty="0">
                 <a:solidFill>
                   <a:srgbClr val="000066"/>
                 </a:solidFill>
               </a:rPr>
               <a:t>( 4 / 4 )</a:t>
             </a:r>
-            <a:endParaRPr lang="vi-VN" sz="4267" b="1" dirty="0">
+            <a:endParaRPr lang="vi-VN" sz="3200" b="1" dirty="0">
               <a:solidFill>
                 <a:srgbClr val="000066"/>
               </a:solidFill>
@@ -9854,7 +9854,7 @@
         <p:spPr>
           <a:xfrm>
             <a:off x="0" y="5253203"/>
-            <a:ext cx="12192000" cy="748988"/>
+            <a:ext cx="12192000" cy="584775"/>
           </a:xfrm>
           <a:prstGeom prst="rect">
             <a:avLst/>
@@ -9869,14 +9869,14 @@
           <a:p>
             <a:pPr algn="ctr"/>
             <a:r>
-              <a:rPr lang="en-US" sz="4267" b="1" dirty="0">
+              <a:rPr lang="en-US" sz="3200" b="1" dirty="0">
                 <a:solidFill>
                   <a:srgbClr val="000066"/>
                 </a:solidFill>
               </a:rPr>
               <a:t>( 4 / 4 )</a:t>
             </a:r>
-            <a:endParaRPr lang="vi-VN" sz="4267" b="1" dirty="0">
+            <a:endParaRPr lang="vi-VN" sz="3200" b="1" dirty="0">
               <a:solidFill>
                 <a:srgbClr val="000066"/>
               </a:solidFill>
@@ -10350,7 +10350,7 @@
         <p:spPr>
           <a:xfrm>
             <a:off x="0" y="5253203"/>
-            <a:ext cx="12192000" cy="748988"/>
+            <a:ext cx="12192000" cy="584775"/>
           </a:xfrm>
           <a:prstGeom prst="rect">
             <a:avLst/>
@@ -10365,14 +10365,14 @@
           <a:p>
             <a:pPr algn="ctr"/>
             <a:r>
-              <a:rPr lang="en-US" sz="4267" b="1" dirty="0">
+              <a:rPr lang="en-US" sz="3200" b="1" dirty="0">
                 <a:solidFill>
                   <a:srgbClr val="000066"/>
                 </a:solidFill>
               </a:rPr>
               <a:t>( 4 / 4 )</a:t>
             </a:r>
-            <a:endParaRPr lang="vi-VN" sz="4267" b="1" dirty="0">
+            <a:endParaRPr lang="vi-VN" sz="3200" b="1" dirty="0">
               <a:solidFill>
                 <a:srgbClr val="000066"/>
               </a:solidFill>
@@ -10714,7 +10714,7 @@
         <p:spPr>
           <a:xfrm>
             <a:off x="0" y="5253203"/>
-            <a:ext cx="12192000" cy="748988"/>
+            <a:ext cx="12192000" cy="584775"/>
           </a:xfrm>
           <a:prstGeom prst="rect">
             <a:avLst/>
@@ -10729,14 +10729,14 @@
           <a:p>
             <a:pPr algn="ctr"/>
             <a:r>
-              <a:rPr lang="en-US" sz="4267" b="1" dirty="0">
+              <a:rPr lang="en-US" sz="3200" b="1" dirty="0">
                 <a:solidFill>
                   <a:srgbClr val="000066"/>
                 </a:solidFill>
               </a:rPr>
               <a:t>( 4 / 4 )</a:t>
             </a:r>
-            <a:endParaRPr lang="vi-VN" sz="4267" b="1" dirty="0">
+            <a:endParaRPr lang="vi-VN" sz="3200" b="1" dirty="0">
               <a:solidFill>
                 <a:srgbClr val="000066"/>
               </a:solidFill>
@@ -11122,7 +11122,7 @@
         <p:spPr>
           <a:xfrm>
             <a:off x="0" y="5253203"/>
-            <a:ext cx="12192000" cy="748988"/>
+            <a:ext cx="12192000" cy="584775"/>
           </a:xfrm>
           <a:prstGeom prst="rect">
             <a:avLst/>
@@ -11137,14 +11137,14 @@
           <a:p>
             <a:pPr algn="ctr"/>
             <a:r>
-              <a:rPr lang="en-US" sz="4267" b="1" dirty="0">
+              <a:rPr lang="en-US" sz="3200" b="1" dirty="0">
                 <a:solidFill>
                   <a:srgbClr val="000066"/>
                 </a:solidFill>
               </a:rPr>
               <a:t>( 4 / 4 )</a:t>
             </a:r>
-            <a:endParaRPr lang="vi-VN" sz="4267" b="1" dirty="0">
+            <a:endParaRPr lang="vi-VN" sz="3200" b="1" dirty="0">
               <a:solidFill>
                 <a:srgbClr val="000066"/>
               </a:solidFill>
@@ -11541,7 +11541,7 @@
         <p:spPr>
           <a:xfrm>
             <a:off x="0" y="5253203"/>
-            <a:ext cx="12192000" cy="748988"/>
+            <a:ext cx="12192000" cy="584775"/>
           </a:xfrm>
           <a:prstGeom prst="rect">
             <a:avLst/>
@@ -11556,14 +11556,14 @@
           <a:p>
             <a:pPr algn="ctr"/>
             <a:r>
-              <a:rPr lang="en-US" sz="4267" b="1" dirty="0">
+              <a:rPr lang="en-US" sz="3200" b="1" dirty="0">
                 <a:solidFill>
                   <a:srgbClr val="000066"/>
                 </a:solidFill>
               </a:rPr>
               <a:t>( x2 )</a:t>
             </a:r>
-            <a:endParaRPr lang="vi-VN" sz="4267" b="1" dirty="0">
+            <a:endParaRPr lang="vi-VN" sz="3200" b="1" dirty="0">
               <a:solidFill>
                 <a:srgbClr val="000066"/>
               </a:solidFill>
@@ -12362,7 +12362,7 @@
         <p:spPr>
           <a:xfrm>
             <a:off x="0" y="5253203"/>
-            <a:ext cx="12192000" cy="748988"/>
+            <a:ext cx="12192000" cy="584775"/>
           </a:xfrm>
           <a:prstGeom prst="rect">
             <a:avLst/>
@@ -12377,14 +12377,14 @@
           <a:p>
             <a:pPr algn="ctr"/>
             <a:r>
-              <a:rPr lang="en-US" sz="4267" b="1" dirty="0">
+              <a:rPr lang="en-US" sz="3200" b="1" dirty="0">
                 <a:solidFill>
                   <a:srgbClr val="000066"/>
                 </a:solidFill>
               </a:rPr>
               <a:t>( 1 / 4 )</a:t>
             </a:r>
-            <a:endParaRPr lang="vi-VN" sz="4267" b="1" dirty="0">
+            <a:endParaRPr lang="vi-VN" sz="3200" b="1" dirty="0">
               <a:solidFill>
                 <a:srgbClr val="000066"/>
               </a:solidFill>
@@ -12836,7 +12836,7 @@
         <p:spPr>
           <a:xfrm>
             <a:off x="0" y="5253203"/>
-            <a:ext cx="12192000" cy="748988"/>
+            <a:ext cx="12192000" cy="584775"/>
           </a:xfrm>
           <a:prstGeom prst="rect">
             <a:avLst/>
@@ -12851,14 +12851,14 @@
           <a:p>
             <a:pPr algn="ctr"/>
             <a:r>
-              <a:rPr lang="en-US" sz="4267" b="1" dirty="0">
+              <a:rPr lang="en-US" sz="3200" b="1" dirty="0">
                 <a:solidFill>
                   <a:srgbClr val="000066"/>
                 </a:solidFill>
               </a:rPr>
               <a:t>( 1 / 4 )</a:t>
             </a:r>
-            <a:endParaRPr lang="vi-VN" sz="4267" b="1" dirty="0">
+            <a:endParaRPr lang="vi-VN" sz="3200" b="1" dirty="0">
               <a:solidFill>
                 <a:srgbClr val="000066"/>
               </a:solidFill>
@@ -13222,7 +13222,7 @@
         <p:spPr>
           <a:xfrm>
             <a:off x="0" y="5253203"/>
-            <a:ext cx="12192000" cy="748988"/>
+            <a:ext cx="12192000" cy="584775"/>
           </a:xfrm>
           <a:prstGeom prst="rect">
             <a:avLst/>
@@ -13237,14 +13237,14 @@
           <a:p>
             <a:pPr algn="ctr"/>
             <a:r>
-              <a:rPr lang="en-US" sz="4267" b="1" dirty="0">
+              <a:rPr lang="en-US" sz="3200" b="1" dirty="0">
                 <a:solidFill>
                   <a:srgbClr val="000066"/>
                 </a:solidFill>
               </a:rPr>
               <a:t>( 1 / 4 )</a:t>
             </a:r>
-            <a:endParaRPr lang="vi-VN" sz="4267" b="1" dirty="0">
+            <a:endParaRPr lang="vi-VN" sz="3200" b="1" dirty="0">
               <a:solidFill>
                 <a:srgbClr val="000066"/>
               </a:solidFill>
@@ -13619,7 +13619,7 @@
         <p:spPr>
           <a:xfrm>
             <a:off x="0" y="5253203"/>
-            <a:ext cx="12192000" cy="748988"/>
+            <a:ext cx="12192000" cy="584775"/>
           </a:xfrm>
           <a:prstGeom prst="rect">
             <a:avLst/>
@@ -13634,14 +13634,14 @@
           <a:p>
             <a:pPr algn="ctr"/>
             <a:r>
-              <a:rPr lang="en-US" sz="4267" b="1" dirty="0">
+              <a:rPr lang="en-US" sz="3200" b="1" dirty="0">
                 <a:solidFill>
                   <a:srgbClr val="000066"/>
                 </a:solidFill>
               </a:rPr>
               <a:t>( 1 / 4 )</a:t>
             </a:r>
-            <a:endParaRPr lang="vi-VN" sz="4267" b="1" dirty="0">
+            <a:endParaRPr lang="vi-VN" sz="3200" b="1" dirty="0">
               <a:solidFill>
                 <a:srgbClr val="000066"/>
               </a:solidFill>
@@ -14038,7 +14038,7 @@
         <p:spPr>
           <a:xfrm>
             <a:off x="0" y="5253203"/>
-            <a:ext cx="12192000" cy="748988"/>
+            <a:ext cx="12192000" cy="584775"/>
           </a:xfrm>
           <a:prstGeom prst="rect">
             <a:avLst/>
@@ -14053,14 +14053,14 @@
           <a:p>
             <a:pPr algn="ctr"/>
             <a:r>
-              <a:rPr lang="en-US" sz="4267" b="1" dirty="0">
+              <a:rPr lang="en-US" sz="3200" b="1" dirty="0">
                 <a:solidFill>
                   <a:srgbClr val="000066"/>
                 </a:solidFill>
               </a:rPr>
               <a:t>( x2 )</a:t>
             </a:r>
-            <a:endParaRPr lang="vi-VN" sz="4267" b="1" dirty="0">
+            <a:endParaRPr lang="vi-VN" sz="3200" b="1" dirty="0">
               <a:solidFill>
                 <a:srgbClr val="000066"/>
               </a:solidFill>
@@ -14837,7 +14837,7 @@
         <p:spPr>
           <a:xfrm>
             <a:off x="0" y="5253203"/>
-            <a:ext cx="12192000" cy="748988"/>
+            <a:ext cx="12192000" cy="584775"/>
           </a:xfrm>
           <a:prstGeom prst="rect">
             <a:avLst/>
@@ -14852,14 +14852,14 @@
           <a:p>
             <a:pPr algn="ctr"/>
             <a:r>
-              <a:rPr lang="en-US" sz="4267" b="1" dirty="0">
+              <a:rPr lang="en-US" sz="3200" b="1" dirty="0">
                 <a:solidFill>
                   <a:srgbClr val="000066"/>
                 </a:solidFill>
               </a:rPr>
               <a:t>( 2 / 4 )</a:t>
             </a:r>
-            <a:endParaRPr lang="vi-VN" sz="4267" b="1" dirty="0">
+            <a:endParaRPr lang="vi-VN" sz="3200" b="1" dirty="0">
               <a:solidFill>
                 <a:srgbClr val="000066"/>
               </a:solidFill>
